--- a/ppt 16-9/0435.求主藉异象感.pptx
+++ b/ppt 16-9/0435.求主藉异象感.pptx
@@ -129,7 +129,7 @@
           <p:cNvPr id="2" name="标题 1">
             <a:extLst>
               <a:ext uri="{FF2B5EF4-FFF2-40B4-BE49-F238E27FC236}">
-                <a16:creationId xmlns:a16="http://schemas.microsoft.com/office/drawing/2014/main" id="{3F2C3567-20EC-B894-B45C-A339EC759D06}"/>
+                <a16:creationId xmlns:a16="http://schemas.microsoft.com/office/drawing/2014/main" id="{636C65B5-9C06-22C9-B482-017005057AB6}"/>
               </a:ext>
             </a:extLst>
           </p:cNvPr>
@@ -166,7 +166,7 @@
           <p:cNvPr id="3" name="副标题 2">
             <a:extLst>
               <a:ext uri="{FF2B5EF4-FFF2-40B4-BE49-F238E27FC236}">
-                <a16:creationId xmlns:a16="http://schemas.microsoft.com/office/drawing/2014/main" id="{667EEF62-6606-ACC2-3D89-D55C806BA0BB}"/>
+                <a16:creationId xmlns:a16="http://schemas.microsoft.com/office/drawing/2014/main" id="{D3269DF8-F1B9-B7B5-09BF-9B92DA38AC72}"/>
               </a:ext>
             </a:extLst>
           </p:cNvPr>
@@ -236,7 +236,7 @@
           <p:cNvPr id="4" name="日期占位符 3">
             <a:extLst>
               <a:ext uri="{FF2B5EF4-FFF2-40B4-BE49-F238E27FC236}">
-                <a16:creationId xmlns:a16="http://schemas.microsoft.com/office/drawing/2014/main" id="{F9E59F66-3D5D-F96F-B634-6A8C55EE1C44}"/>
+                <a16:creationId xmlns:a16="http://schemas.microsoft.com/office/drawing/2014/main" id="{F0407E76-A477-E0C3-B3D7-771376760947}"/>
               </a:ext>
             </a:extLst>
           </p:cNvPr>
@@ -252,7 +252,7 @@
           <a:bodyPr/>
           <a:lstStyle/>
           <a:p>
-            <a:fld id="{79A71F0A-C9CC-4E2A-8A84-6DD40024CC8B}" type="datetimeFigureOut">
+            <a:fld id="{C5810D06-F3F0-4468-9C1D-DAD1F5779843}" type="datetimeFigureOut">
               <a:rPr lang="zh-CN" altLang="en-US" smtClean="0"/>
               <a:t>2024/3/10</a:t>
             </a:fld>
@@ -265,7 +265,7 @@
           <p:cNvPr id="5" name="页脚占位符 4">
             <a:extLst>
               <a:ext uri="{FF2B5EF4-FFF2-40B4-BE49-F238E27FC236}">
-                <a16:creationId xmlns:a16="http://schemas.microsoft.com/office/drawing/2014/main" id="{760DAC29-F12E-6CCD-46BC-AC09697EC138}"/>
+                <a16:creationId xmlns:a16="http://schemas.microsoft.com/office/drawing/2014/main" id="{B9DE622F-23F3-BCC3-D60C-359A327BC872}"/>
               </a:ext>
             </a:extLst>
           </p:cNvPr>
@@ -290,7 +290,7 @@
           <p:cNvPr id="6" name="灯片编号占位符 5">
             <a:extLst>
               <a:ext uri="{FF2B5EF4-FFF2-40B4-BE49-F238E27FC236}">
-                <a16:creationId xmlns:a16="http://schemas.microsoft.com/office/drawing/2014/main" id="{FE304ABC-2E16-5EE7-7943-14D9D13CE73F}"/>
+                <a16:creationId xmlns:a16="http://schemas.microsoft.com/office/drawing/2014/main" id="{FB76C178-7CB4-E05D-073F-236C52E6A2F4}"/>
               </a:ext>
             </a:extLst>
           </p:cNvPr>
@@ -306,7 +306,7 @@
           <a:bodyPr/>
           <a:lstStyle/>
           <a:p>
-            <a:fld id="{08463C39-6308-4189-A62F-366904646AF2}" type="slidenum">
+            <a:fld id="{6FB90DB0-9EF4-4475-8BF4-712DFEA81FCA}" type="slidenum">
               <a:rPr lang="zh-CN" altLang="en-US" smtClean="0"/>
               <a:t>‹#›</a:t>
             </a:fld>
@@ -317,7 +317,7 @@
     </p:spTree>
     <p:extLst>
       <p:ext uri="{BB962C8B-B14F-4D97-AF65-F5344CB8AC3E}">
-        <p14:creationId xmlns:p14="http://schemas.microsoft.com/office/powerpoint/2010/main" val="1852339956"/>
+        <p14:creationId xmlns:p14="http://schemas.microsoft.com/office/powerpoint/2010/main" val="3267757478"/>
       </p:ext>
     </p:extLst>
   </p:cSld>
@@ -349,7 +349,7 @@
           <p:cNvPr id="2" name="标题 1">
             <a:extLst>
               <a:ext uri="{FF2B5EF4-FFF2-40B4-BE49-F238E27FC236}">
-                <a16:creationId xmlns:a16="http://schemas.microsoft.com/office/drawing/2014/main" id="{782B54D8-ADE4-A1BB-D1EF-37C530B2D909}"/>
+                <a16:creationId xmlns:a16="http://schemas.microsoft.com/office/drawing/2014/main" id="{9802FC1D-9647-47F6-9DA4-77F087927370}"/>
               </a:ext>
             </a:extLst>
           </p:cNvPr>
@@ -377,7 +377,7 @@
           <p:cNvPr id="3" name="竖排文字占位符 2">
             <a:extLst>
               <a:ext uri="{FF2B5EF4-FFF2-40B4-BE49-F238E27FC236}">
-                <a16:creationId xmlns:a16="http://schemas.microsoft.com/office/drawing/2014/main" id="{EC12DCCF-1BDA-BA00-5889-845E307353A0}"/>
+                <a16:creationId xmlns:a16="http://schemas.microsoft.com/office/drawing/2014/main" id="{BF48C59F-1363-20DE-015C-99C56BEA5BA8}"/>
               </a:ext>
             </a:extLst>
           </p:cNvPr>
@@ -434,7 +434,7 @@
           <p:cNvPr id="4" name="日期占位符 3">
             <a:extLst>
               <a:ext uri="{FF2B5EF4-FFF2-40B4-BE49-F238E27FC236}">
-                <a16:creationId xmlns:a16="http://schemas.microsoft.com/office/drawing/2014/main" id="{A9D68573-5906-35C0-1D8C-3473B31984EB}"/>
+                <a16:creationId xmlns:a16="http://schemas.microsoft.com/office/drawing/2014/main" id="{FA077FB8-A6A7-8FE7-F71C-7F3FB0194B46}"/>
               </a:ext>
             </a:extLst>
           </p:cNvPr>
@@ -450,7 +450,7 @@
           <a:bodyPr/>
           <a:lstStyle/>
           <a:p>
-            <a:fld id="{79A71F0A-C9CC-4E2A-8A84-6DD40024CC8B}" type="datetimeFigureOut">
+            <a:fld id="{C5810D06-F3F0-4468-9C1D-DAD1F5779843}" type="datetimeFigureOut">
               <a:rPr lang="zh-CN" altLang="en-US" smtClean="0"/>
               <a:t>2024/3/10</a:t>
             </a:fld>
@@ -463,7 +463,7 @@
           <p:cNvPr id="5" name="页脚占位符 4">
             <a:extLst>
               <a:ext uri="{FF2B5EF4-FFF2-40B4-BE49-F238E27FC236}">
-                <a16:creationId xmlns:a16="http://schemas.microsoft.com/office/drawing/2014/main" id="{4F515043-AAB0-BCB3-0A06-C0726C5F2B36}"/>
+                <a16:creationId xmlns:a16="http://schemas.microsoft.com/office/drawing/2014/main" id="{6703772B-9805-E854-5B9F-A784904A9433}"/>
               </a:ext>
             </a:extLst>
           </p:cNvPr>
@@ -488,7 +488,7 @@
           <p:cNvPr id="6" name="灯片编号占位符 5">
             <a:extLst>
               <a:ext uri="{FF2B5EF4-FFF2-40B4-BE49-F238E27FC236}">
-                <a16:creationId xmlns:a16="http://schemas.microsoft.com/office/drawing/2014/main" id="{EB852DDF-186B-DBA6-1955-43EBBCDEFDAB}"/>
+                <a16:creationId xmlns:a16="http://schemas.microsoft.com/office/drawing/2014/main" id="{3F99AE0D-A44F-50CF-4B79-D73640420BB3}"/>
               </a:ext>
             </a:extLst>
           </p:cNvPr>
@@ -504,7 +504,7 @@
           <a:bodyPr/>
           <a:lstStyle/>
           <a:p>
-            <a:fld id="{08463C39-6308-4189-A62F-366904646AF2}" type="slidenum">
+            <a:fld id="{6FB90DB0-9EF4-4475-8BF4-712DFEA81FCA}" type="slidenum">
               <a:rPr lang="zh-CN" altLang="en-US" smtClean="0"/>
               <a:t>‹#›</a:t>
             </a:fld>
@@ -515,7 +515,7 @@
     </p:spTree>
     <p:extLst>
       <p:ext uri="{BB962C8B-B14F-4D97-AF65-F5344CB8AC3E}">
-        <p14:creationId xmlns:p14="http://schemas.microsoft.com/office/powerpoint/2010/main" val="3702366199"/>
+        <p14:creationId xmlns:p14="http://schemas.microsoft.com/office/powerpoint/2010/main" val="343101478"/>
       </p:ext>
     </p:extLst>
   </p:cSld>
@@ -547,7 +547,7 @@
           <p:cNvPr id="2" name="竖排标题 1">
             <a:extLst>
               <a:ext uri="{FF2B5EF4-FFF2-40B4-BE49-F238E27FC236}">
-                <a16:creationId xmlns:a16="http://schemas.microsoft.com/office/drawing/2014/main" id="{7AE575DC-2F9C-1400-DCA0-934D325C8DB7}"/>
+                <a16:creationId xmlns:a16="http://schemas.microsoft.com/office/drawing/2014/main" id="{2014FF78-D1D5-8F02-4E8F-9172AD9825AB}"/>
               </a:ext>
             </a:extLst>
           </p:cNvPr>
@@ -580,7 +580,7 @@
           <p:cNvPr id="3" name="竖排文字占位符 2">
             <a:extLst>
               <a:ext uri="{FF2B5EF4-FFF2-40B4-BE49-F238E27FC236}">
-                <a16:creationId xmlns:a16="http://schemas.microsoft.com/office/drawing/2014/main" id="{47F76009-47DF-971F-7319-227BF0F6FC5F}"/>
+                <a16:creationId xmlns:a16="http://schemas.microsoft.com/office/drawing/2014/main" id="{A7187F2E-9875-FA8A-241F-931127F5A131}"/>
               </a:ext>
             </a:extLst>
           </p:cNvPr>
@@ -642,7 +642,7 @@
           <p:cNvPr id="4" name="日期占位符 3">
             <a:extLst>
               <a:ext uri="{FF2B5EF4-FFF2-40B4-BE49-F238E27FC236}">
-                <a16:creationId xmlns:a16="http://schemas.microsoft.com/office/drawing/2014/main" id="{3AB2C6A8-10F4-D9E6-F315-F6AC64F798D3}"/>
+                <a16:creationId xmlns:a16="http://schemas.microsoft.com/office/drawing/2014/main" id="{5D2B8D4E-E8F4-F9B9-E636-8E133480A625}"/>
               </a:ext>
             </a:extLst>
           </p:cNvPr>
@@ -658,7 +658,7 @@
           <a:bodyPr/>
           <a:lstStyle/>
           <a:p>
-            <a:fld id="{79A71F0A-C9CC-4E2A-8A84-6DD40024CC8B}" type="datetimeFigureOut">
+            <a:fld id="{C5810D06-F3F0-4468-9C1D-DAD1F5779843}" type="datetimeFigureOut">
               <a:rPr lang="zh-CN" altLang="en-US" smtClean="0"/>
               <a:t>2024/3/10</a:t>
             </a:fld>
@@ -671,7 +671,7 @@
           <p:cNvPr id="5" name="页脚占位符 4">
             <a:extLst>
               <a:ext uri="{FF2B5EF4-FFF2-40B4-BE49-F238E27FC236}">
-                <a16:creationId xmlns:a16="http://schemas.microsoft.com/office/drawing/2014/main" id="{542673BB-F4CF-529C-D706-2CA29F60B2D5}"/>
+                <a16:creationId xmlns:a16="http://schemas.microsoft.com/office/drawing/2014/main" id="{8CF7F4DA-AC89-7DF6-7889-3AE095E3C879}"/>
               </a:ext>
             </a:extLst>
           </p:cNvPr>
@@ -696,7 +696,7 @@
           <p:cNvPr id="6" name="灯片编号占位符 5">
             <a:extLst>
               <a:ext uri="{FF2B5EF4-FFF2-40B4-BE49-F238E27FC236}">
-                <a16:creationId xmlns:a16="http://schemas.microsoft.com/office/drawing/2014/main" id="{04C32750-2C1B-ADAA-4A54-FB877955440F}"/>
+                <a16:creationId xmlns:a16="http://schemas.microsoft.com/office/drawing/2014/main" id="{E9FC026F-CB2A-FCE0-6225-9E363108A274}"/>
               </a:ext>
             </a:extLst>
           </p:cNvPr>
@@ -712,7 +712,7 @@
           <a:bodyPr/>
           <a:lstStyle/>
           <a:p>
-            <a:fld id="{08463C39-6308-4189-A62F-366904646AF2}" type="slidenum">
+            <a:fld id="{6FB90DB0-9EF4-4475-8BF4-712DFEA81FCA}" type="slidenum">
               <a:rPr lang="zh-CN" altLang="en-US" smtClean="0"/>
               <a:t>‹#›</a:t>
             </a:fld>
@@ -723,7 +723,7 @@
     </p:spTree>
     <p:extLst>
       <p:ext uri="{BB962C8B-B14F-4D97-AF65-F5344CB8AC3E}">
-        <p14:creationId xmlns:p14="http://schemas.microsoft.com/office/powerpoint/2010/main" val="3361647539"/>
+        <p14:creationId xmlns:p14="http://schemas.microsoft.com/office/powerpoint/2010/main" val="496014840"/>
       </p:ext>
     </p:extLst>
   </p:cSld>
@@ -755,7 +755,7 @@
           <p:cNvPr id="2" name="标题 1">
             <a:extLst>
               <a:ext uri="{FF2B5EF4-FFF2-40B4-BE49-F238E27FC236}">
-                <a16:creationId xmlns:a16="http://schemas.microsoft.com/office/drawing/2014/main" id="{0B5C2F9D-715E-AEBB-1DB6-91C720DB20F0}"/>
+                <a16:creationId xmlns:a16="http://schemas.microsoft.com/office/drawing/2014/main" id="{38A0F1CE-B983-3632-1870-0D629E3DBB3E}"/>
               </a:ext>
             </a:extLst>
           </p:cNvPr>
@@ -783,7 +783,7 @@
           <p:cNvPr id="3" name="内容占位符 2">
             <a:extLst>
               <a:ext uri="{FF2B5EF4-FFF2-40B4-BE49-F238E27FC236}">
-                <a16:creationId xmlns:a16="http://schemas.microsoft.com/office/drawing/2014/main" id="{29F8B621-880F-220A-F7F7-D1F2F3C11E61}"/>
+                <a16:creationId xmlns:a16="http://schemas.microsoft.com/office/drawing/2014/main" id="{8D885399-2165-174F-AFE7-AD252607B3CD}"/>
               </a:ext>
             </a:extLst>
           </p:cNvPr>
@@ -840,7 +840,7 @@
           <p:cNvPr id="4" name="日期占位符 3">
             <a:extLst>
               <a:ext uri="{FF2B5EF4-FFF2-40B4-BE49-F238E27FC236}">
-                <a16:creationId xmlns:a16="http://schemas.microsoft.com/office/drawing/2014/main" id="{6ECBCDFF-4999-0E7E-4C3A-B8207F37C174}"/>
+                <a16:creationId xmlns:a16="http://schemas.microsoft.com/office/drawing/2014/main" id="{4662FF3D-B792-C4F5-6E53-7EB5CC64A4B8}"/>
               </a:ext>
             </a:extLst>
           </p:cNvPr>
@@ -856,7 +856,7 @@
           <a:bodyPr/>
           <a:lstStyle/>
           <a:p>
-            <a:fld id="{79A71F0A-C9CC-4E2A-8A84-6DD40024CC8B}" type="datetimeFigureOut">
+            <a:fld id="{C5810D06-F3F0-4468-9C1D-DAD1F5779843}" type="datetimeFigureOut">
               <a:rPr lang="zh-CN" altLang="en-US" smtClean="0"/>
               <a:t>2024/3/10</a:t>
             </a:fld>
@@ -869,7 +869,7 @@
           <p:cNvPr id="5" name="页脚占位符 4">
             <a:extLst>
               <a:ext uri="{FF2B5EF4-FFF2-40B4-BE49-F238E27FC236}">
-                <a16:creationId xmlns:a16="http://schemas.microsoft.com/office/drawing/2014/main" id="{7CF6AD94-94FF-6C55-1E1C-35AA45F8293D}"/>
+                <a16:creationId xmlns:a16="http://schemas.microsoft.com/office/drawing/2014/main" id="{D89E1C90-F2E9-527D-9280-0889AA5AF3CC}"/>
               </a:ext>
             </a:extLst>
           </p:cNvPr>
@@ -894,7 +894,7 @@
           <p:cNvPr id="6" name="灯片编号占位符 5">
             <a:extLst>
               <a:ext uri="{FF2B5EF4-FFF2-40B4-BE49-F238E27FC236}">
-                <a16:creationId xmlns:a16="http://schemas.microsoft.com/office/drawing/2014/main" id="{1E3A4895-3FFD-AAEB-8ACF-54259D281BF8}"/>
+                <a16:creationId xmlns:a16="http://schemas.microsoft.com/office/drawing/2014/main" id="{B618B4F5-12DD-5161-4EB4-FF4686E23EC7}"/>
               </a:ext>
             </a:extLst>
           </p:cNvPr>
@@ -910,7 +910,7 @@
           <a:bodyPr/>
           <a:lstStyle/>
           <a:p>
-            <a:fld id="{08463C39-6308-4189-A62F-366904646AF2}" type="slidenum">
+            <a:fld id="{6FB90DB0-9EF4-4475-8BF4-712DFEA81FCA}" type="slidenum">
               <a:rPr lang="zh-CN" altLang="en-US" smtClean="0"/>
               <a:t>‹#›</a:t>
             </a:fld>
@@ -921,7 +921,7 @@
     </p:spTree>
     <p:extLst>
       <p:ext uri="{BB962C8B-B14F-4D97-AF65-F5344CB8AC3E}">
-        <p14:creationId xmlns:p14="http://schemas.microsoft.com/office/powerpoint/2010/main" val="4210253006"/>
+        <p14:creationId xmlns:p14="http://schemas.microsoft.com/office/powerpoint/2010/main" val="2384239546"/>
       </p:ext>
     </p:extLst>
   </p:cSld>
@@ -953,7 +953,7 @@
           <p:cNvPr id="2" name="标题 1">
             <a:extLst>
               <a:ext uri="{FF2B5EF4-FFF2-40B4-BE49-F238E27FC236}">
-                <a16:creationId xmlns:a16="http://schemas.microsoft.com/office/drawing/2014/main" id="{0F56E51B-559A-F952-60D1-0AC4C15304F5}"/>
+                <a16:creationId xmlns:a16="http://schemas.microsoft.com/office/drawing/2014/main" id="{DA15B7AA-D2B9-01DF-9D30-650BAFEEF988}"/>
               </a:ext>
             </a:extLst>
           </p:cNvPr>
@@ -990,7 +990,7 @@
           <p:cNvPr id="3" name="文本占位符 2">
             <a:extLst>
               <a:ext uri="{FF2B5EF4-FFF2-40B4-BE49-F238E27FC236}">
-                <a16:creationId xmlns:a16="http://schemas.microsoft.com/office/drawing/2014/main" id="{512C5B92-E818-646D-3F18-B2B3421FFF49}"/>
+                <a16:creationId xmlns:a16="http://schemas.microsoft.com/office/drawing/2014/main" id="{8232A589-DF5D-A63D-B0EB-6B39F2E90568}"/>
               </a:ext>
             </a:extLst>
           </p:cNvPr>
@@ -1115,7 +1115,7 @@
           <p:cNvPr id="4" name="日期占位符 3">
             <a:extLst>
               <a:ext uri="{FF2B5EF4-FFF2-40B4-BE49-F238E27FC236}">
-                <a16:creationId xmlns:a16="http://schemas.microsoft.com/office/drawing/2014/main" id="{CA2F30BF-8C9E-D08E-683E-390F44A0FA12}"/>
+                <a16:creationId xmlns:a16="http://schemas.microsoft.com/office/drawing/2014/main" id="{5240BE12-C615-372B-E185-E708DE393447}"/>
               </a:ext>
             </a:extLst>
           </p:cNvPr>
@@ -1131,7 +1131,7 @@
           <a:bodyPr/>
           <a:lstStyle/>
           <a:p>
-            <a:fld id="{79A71F0A-C9CC-4E2A-8A84-6DD40024CC8B}" type="datetimeFigureOut">
+            <a:fld id="{C5810D06-F3F0-4468-9C1D-DAD1F5779843}" type="datetimeFigureOut">
               <a:rPr lang="zh-CN" altLang="en-US" smtClean="0"/>
               <a:t>2024/3/10</a:t>
             </a:fld>
@@ -1144,7 +1144,7 @@
           <p:cNvPr id="5" name="页脚占位符 4">
             <a:extLst>
               <a:ext uri="{FF2B5EF4-FFF2-40B4-BE49-F238E27FC236}">
-                <a16:creationId xmlns:a16="http://schemas.microsoft.com/office/drawing/2014/main" id="{C7253E52-333E-0F26-F561-4D30F1039D06}"/>
+                <a16:creationId xmlns:a16="http://schemas.microsoft.com/office/drawing/2014/main" id="{047E7241-A1B2-C4F9-6631-06E04B071F30}"/>
               </a:ext>
             </a:extLst>
           </p:cNvPr>
@@ -1169,7 +1169,7 @@
           <p:cNvPr id="6" name="灯片编号占位符 5">
             <a:extLst>
               <a:ext uri="{FF2B5EF4-FFF2-40B4-BE49-F238E27FC236}">
-                <a16:creationId xmlns:a16="http://schemas.microsoft.com/office/drawing/2014/main" id="{EB3BC25B-B520-6CB7-231E-D3C68A6D30D4}"/>
+                <a16:creationId xmlns:a16="http://schemas.microsoft.com/office/drawing/2014/main" id="{3F55FD74-B837-C927-7976-87B917F0606A}"/>
               </a:ext>
             </a:extLst>
           </p:cNvPr>
@@ -1185,7 +1185,7 @@
           <a:bodyPr/>
           <a:lstStyle/>
           <a:p>
-            <a:fld id="{08463C39-6308-4189-A62F-366904646AF2}" type="slidenum">
+            <a:fld id="{6FB90DB0-9EF4-4475-8BF4-712DFEA81FCA}" type="slidenum">
               <a:rPr lang="zh-CN" altLang="en-US" smtClean="0"/>
               <a:t>‹#›</a:t>
             </a:fld>
@@ -1196,7 +1196,7 @@
     </p:spTree>
     <p:extLst>
       <p:ext uri="{BB962C8B-B14F-4D97-AF65-F5344CB8AC3E}">
-        <p14:creationId xmlns:p14="http://schemas.microsoft.com/office/powerpoint/2010/main" val="216954602"/>
+        <p14:creationId xmlns:p14="http://schemas.microsoft.com/office/powerpoint/2010/main" val="3897602990"/>
       </p:ext>
     </p:extLst>
   </p:cSld>
@@ -1228,7 +1228,7 @@
           <p:cNvPr id="2" name="标题 1">
             <a:extLst>
               <a:ext uri="{FF2B5EF4-FFF2-40B4-BE49-F238E27FC236}">
-                <a16:creationId xmlns:a16="http://schemas.microsoft.com/office/drawing/2014/main" id="{6672EBE0-B7F9-4B5C-67BE-1E248FD3F1B1}"/>
+                <a16:creationId xmlns:a16="http://schemas.microsoft.com/office/drawing/2014/main" id="{151C0FA7-9A92-602B-A8B7-1A5856EDFDCD}"/>
               </a:ext>
             </a:extLst>
           </p:cNvPr>
@@ -1256,7 +1256,7 @@
           <p:cNvPr id="3" name="内容占位符 2">
             <a:extLst>
               <a:ext uri="{FF2B5EF4-FFF2-40B4-BE49-F238E27FC236}">
-                <a16:creationId xmlns:a16="http://schemas.microsoft.com/office/drawing/2014/main" id="{AEF20923-6EA6-DEE9-57BA-E83ACBFC1C22}"/>
+                <a16:creationId xmlns:a16="http://schemas.microsoft.com/office/drawing/2014/main" id="{79D1AB8A-B1B5-90CC-DBAA-088954F1A1AC}"/>
               </a:ext>
             </a:extLst>
           </p:cNvPr>
@@ -1318,7 +1318,7 @@
           <p:cNvPr id="4" name="内容占位符 3">
             <a:extLst>
               <a:ext uri="{FF2B5EF4-FFF2-40B4-BE49-F238E27FC236}">
-                <a16:creationId xmlns:a16="http://schemas.microsoft.com/office/drawing/2014/main" id="{C2A404D9-9265-1CC8-30F5-8670D1F5876D}"/>
+                <a16:creationId xmlns:a16="http://schemas.microsoft.com/office/drawing/2014/main" id="{C9F99BC3-1C7F-B279-5590-7F85D759EDE4}"/>
               </a:ext>
             </a:extLst>
           </p:cNvPr>
@@ -1380,7 +1380,7 @@
           <p:cNvPr id="5" name="日期占位符 4">
             <a:extLst>
               <a:ext uri="{FF2B5EF4-FFF2-40B4-BE49-F238E27FC236}">
-                <a16:creationId xmlns:a16="http://schemas.microsoft.com/office/drawing/2014/main" id="{AF81C124-628A-1B39-84EE-8988D374C9CA}"/>
+                <a16:creationId xmlns:a16="http://schemas.microsoft.com/office/drawing/2014/main" id="{9B03F614-FC58-BA65-67F9-1EDB6A9908B8}"/>
               </a:ext>
             </a:extLst>
           </p:cNvPr>
@@ -1396,7 +1396,7 @@
           <a:bodyPr/>
           <a:lstStyle/>
           <a:p>
-            <a:fld id="{79A71F0A-C9CC-4E2A-8A84-6DD40024CC8B}" type="datetimeFigureOut">
+            <a:fld id="{C5810D06-F3F0-4468-9C1D-DAD1F5779843}" type="datetimeFigureOut">
               <a:rPr lang="zh-CN" altLang="en-US" smtClean="0"/>
               <a:t>2024/3/10</a:t>
             </a:fld>
@@ -1409,7 +1409,7 @@
           <p:cNvPr id="6" name="页脚占位符 5">
             <a:extLst>
               <a:ext uri="{FF2B5EF4-FFF2-40B4-BE49-F238E27FC236}">
-                <a16:creationId xmlns:a16="http://schemas.microsoft.com/office/drawing/2014/main" id="{ABD9BD55-A221-E9C0-954C-B0379BB9D5A1}"/>
+                <a16:creationId xmlns:a16="http://schemas.microsoft.com/office/drawing/2014/main" id="{D6FB9DD0-5F95-5D19-144A-BE6AB27B9037}"/>
               </a:ext>
             </a:extLst>
           </p:cNvPr>
@@ -1434,7 +1434,7 @@
           <p:cNvPr id="7" name="灯片编号占位符 6">
             <a:extLst>
               <a:ext uri="{FF2B5EF4-FFF2-40B4-BE49-F238E27FC236}">
-                <a16:creationId xmlns:a16="http://schemas.microsoft.com/office/drawing/2014/main" id="{61DCDD2E-1192-2739-7833-228BFFFA35FC}"/>
+                <a16:creationId xmlns:a16="http://schemas.microsoft.com/office/drawing/2014/main" id="{0463B8D8-4C8C-4B3F-5F0B-897741EF0B43}"/>
               </a:ext>
             </a:extLst>
           </p:cNvPr>
@@ -1450,7 +1450,7 @@
           <a:bodyPr/>
           <a:lstStyle/>
           <a:p>
-            <a:fld id="{08463C39-6308-4189-A62F-366904646AF2}" type="slidenum">
+            <a:fld id="{6FB90DB0-9EF4-4475-8BF4-712DFEA81FCA}" type="slidenum">
               <a:rPr lang="zh-CN" altLang="en-US" smtClean="0"/>
               <a:t>‹#›</a:t>
             </a:fld>
@@ -1461,7 +1461,7 @@
     </p:spTree>
     <p:extLst>
       <p:ext uri="{BB962C8B-B14F-4D97-AF65-F5344CB8AC3E}">
-        <p14:creationId xmlns:p14="http://schemas.microsoft.com/office/powerpoint/2010/main" val="133335703"/>
+        <p14:creationId xmlns:p14="http://schemas.microsoft.com/office/powerpoint/2010/main" val="1129713387"/>
       </p:ext>
     </p:extLst>
   </p:cSld>
@@ -1493,7 +1493,7 @@
           <p:cNvPr id="2" name="标题 1">
             <a:extLst>
               <a:ext uri="{FF2B5EF4-FFF2-40B4-BE49-F238E27FC236}">
-                <a16:creationId xmlns:a16="http://schemas.microsoft.com/office/drawing/2014/main" id="{8918BEF4-2022-202A-83E9-B822285BD67D}"/>
+                <a16:creationId xmlns:a16="http://schemas.microsoft.com/office/drawing/2014/main" id="{EF26690A-F65D-E2F1-31C6-C1A99996D593}"/>
               </a:ext>
             </a:extLst>
           </p:cNvPr>
@@ -1526,7 +1526,7 @@
           <p:cNvPr id="3" name="文本占位符 2">
             <a:extLst>
               <a:ext uri="{FF2B5EF4-FFF2-40B4-BE49-F238E27FC236}">
-                <a16:creationId xmlns:a16="http://schemas.microsoft.com/office/drawing/2014/main" id="{45A751B0-CD23-75C3-F718-82D4046D88BC}"/>
+                <a16:creationId xmlns:a16="http://schemas.microsoft.com/office/drawing/2014/main" id="{A0B4867F-8AE4-7424-4FFC-512245B8265F}"/>
               </a:ext>
             </a:extLst>
           </p:cNvPr>
@@ -1597,7 +1597,7 @@
           <p:cNvPr id="4" name="内容占位符 3">
             <a:extLst>
               <a:ext uri="{FF2B5EF4-FFF2-40B4-BE49-F238E27FC236}">
-                <a16:creationId xmlns:a16="http://schemas.microsoft.com/office/drawing/2014/main" id="{3142A452-2F44-A261-CA89-CCAEEA21D521}"/>
+                <a16:creationId xmlns:a16="http://schemas.microsoft.com/office/drawing/2014/main" id="{89B57A2D-3E68-344B-5A27-CB5CC7D0FD65}"/>
               </a:ext>
             </a:extLst>
           </p:cNvPr>
@@ -1659,7 +1659,7 @@
           <p:cNvPr id="5" name="文本占位符 4">
             <a:extLst>
               <a:ext uri="{FF2B5EF4-FFF2-40B4-BE49-F238E27FC236}">
-                <a16:creationId xmlns:a16="http://schemas.microsoft.com/office/drawing/2014/main" id="{F4D2B783-6756-8D55-3691-8BD970129324}"/>
+                <a16:creationId xmlns:a16="http://schemas.microsoft.com/office/drawing/2014/main" id="{9B34284D-F1FF-6A68-8979-FEC4AE7C72CE}"/>
               </a:ext>
             </a:extLst>
           </p:cNvPr>
@@ -1730,7 +1730,7 @@
           <p:cNvPr id="6" name="内容占位符 5">
             <a:extLst>
               <a:ext uri="{FF2B5EF4-FFF2-40B4-BE49-F238E27FC236}">
-                <a16:creationId xmlns:a16="http://schemas.microsoft.com/office/drawing/2014/main" id="{39C4D4EA-9495-15C4-866A-630BAE8C32A0}"/>
+                <a16:creationId xmlns:a16="http://schemas.microsoft.com/office/drawing/2014/main" id="{B18D4A1F-CFEF-1C44-17D5-D26BDF952241}"/>
               </a:ext>
             </a:extLst>
           </p:cNvPr>
@@ -1792,7 +1792,7 @@
           <p:cNvPr id="7" name="日期占位符 6">
             <a:extLst>
               <a:ext uri="{FF2B5EF4-FFF2-40B4-BE49-F238E27FC236}">
-                <a16:creationId xmlns:a16="http://schemas.microsoft.com/office/drawing/2014/main" id="{5739AA58-DB47-A057-7639-D773B0FCD547}"/>
+                <a16:creationId xmlns:a16="http://schemas.microsoft.com/office/drawing/2014/main" id="{E0B2FE13-1DC6-A1A0-16F6-BBCFCB581B33}"/>
               </a:ext>
             </a:extLst>
           </p:cNvPr>
@@ -1808,7 +1808,7 @@
           <a:bodyPr/>
           <a:lstStyle/>
           <a:p>
-            <a:fld id="{79A71F0A-C9CC-4E2A-8A84-6DD40024CC8B}" type="datetimeFigureOut">
+            <a:fld id="{C5810D06-F3F0-4468-9C1D-DAD1F5779843}" type="datetimeFigureOut">
               <a:rPr lang="zh-CN" altLang="en-US" smtClean="0"/>
               <a:t>2024/3/10</a:t>
             </a:fld>
@@ -1821,7 +1821,7 @@
           <p:cNvPr id="8" name="页脚占位符 7">
             <a:extLst>
               <a:ext uri="{FF2B5EF4-FFF2-40B4-BE49-F238E27FC236}">
-                <a16:creationId xmlns:a16="http://schemas.microsoft.com/office/drawing/2014/main" id="{6FFE9587-777E-8AC1-F3C6-D16E8A51D0F8}"/>
+                <a16:creationId xmlns:a16="http://schemas.microsoft.com/office/drawing/2014/main" id="{4CC08CED-B35C-8F94-D24C-2A988633C69B}"/>
               </a:ext>
             </a:extLst>
           </p:cNvPr>
@@ -1846,7 +1846,7 @@
           <p:cNvPr id="9" name="灯片编号占位符 8">
             <a:extLst>
               <a:ext uri="{FF2B5EF4-FFF2-40B4-BE49-F238E27FC236}">
-                <a16:creationId xmlns:a16="http://schemas.microsoft.com/office/drawing/2014/main" id="{3CC853AE-5161-C364-691A-262E3CCA0DB5}"/>
+                <a16:creationId xmlns:a16="http://schemas.microsoft.com/office/drawing/2014/main" id="{B370D960-41E3-16CF-8284-573458091CB4}"/>
               </a:ext>
             </a:extLst>
           </p:cNvPr>
@@ -1862,7 +1862,7 @@
           <a:bodyPr/>
           <a:lstStyle/>
           <a:p>
-            <a:fld id="{08463C39-6308-4189-A62F-366904646AF2}" type="slidenum">
+            <a:fld id="{6FB90DB0-9EF4-4475-8BF4-712DFEA81FCA}" type="slidenum">
               <a:rPr lang="zh-CN" altLang="en-US" smtClean="0"/>
               <a:t>‹#›</a:t>
             </a:fld>
@@ -1873,7 +1873,7 @@
     </p:spTree>
     <p:extLst>
       <p:ext uri="{BB962C8B-B14F-4D97-AF65-F5344CB8AC3E}">
-        <p14:creationId xmlns:p14="http://schemas.microsoft.com/office/powerpoint/2010/main" val="3791201560"/>
+        <p14:creationId xmlns:p14="http://schemas.microsoft.com/office/powerpoint/2010/main" val="47850796"/>
       </p:ext>
     </p:extLst>
   </p:cSld>
@@ -1905,7 +1905,7 @@
           <p:cNvPr id="2" name="标题 1">
             <a:extLst>
               <a:ext uri="{FF2B5EF4-FFF2-40B4-BE49-F238E27FC236}">
-                <a16:creationId xmlns:a16="http://schemas.microsoft.com/office/drawing/2014/main" id="{B4FF4AA1-F1B9-473A-E3D1-B39CA72E9323}"/>
+                <a16:creationId xmlns:a16="http://schemas.microsoft.com/office/drawing/2014/main" id="{980A7409-D889-BDA3-FEBF-B8C73DA21260}"/>
               </a:ext>
             </a:extLst>
           </p:cNvPr>
@@ -1933,7 +1933,7 @@
           <p:cNvPr id="3" name="日期占位符 2">
             <a:extLst>
               <a:ext uri="{FF2B5EF4-FFF2-40B4-BE49-F238E27FC236}">
-                <a16:creationId xmlns:a16="http://schemas.microsoft.com/office/drawing/2014/main" id="{A6190E5D-BE45-90E8-D68C-5EE21EC54B32}"/>
+                <a16:creationId xmlns:a16="http://schemas.microsoft.com/office/drawing/2014/main" id="{07DCF871-F1DD-771C-2867-57C5C363577F}"/>
               </a:ext>
             </a:extLst>
           </p:cNvPr>
@@ -1949,7 +1949,7 @@
           <a:bodyPr/>
           <a:lstStyle/>
           <a:p>
-            <a:fld id="{79A71F0A-C9CC-4E2A-8A84-6DD40024CC8B}" type="datetimeFigureOut">
+            <a:fld id="{C5810D06-F3F0-4468-9C1D-DAD1F5779843}" type="datetimeFigureOut">
               <a:rPr lang="zh-CN" altLang="en-US" smtClean="0"/>
               <a:t>2024/3/10</a:t>
             </a:fld>
@@ -1962,7 +1962,7 @@
           <p:cNvPr id="4" name="页脚占位符 3">
             <a:extLst>
               <a:ext uri="{FF2B5EF4-FFF2-40B4-BE49-F238E27FC236}">
-                <a16:creationId xmlns:a16="http://schemas.microsoft.com/office/drawing/2014/main" id="{D7D7C8A2-3D77-1C52-E3A6-ADF42B7D2D42}"/>
+                <a16:creationId xmlns:a16="http://schemas.microsoft.com/office/drawing/2014/main" id="{0BBBAF94-168F-971E-9467-D0D3E760E9DA}"/>
               </a:ext>
             </a:extLst>
           </p:cNvPr>
@@ -1987,7 +1987,7 @@
           <p:cNvPr id="5" name="灯片编号占位符 4">
             <a:extLst>
               <a:ext uri="{FF2B5EF4-FFF2-40B4-BE49-F238E27FC236}">
-                <a16:creationId xmlns:a16="http://schemas.microsoft.com/office/drawing/2014/main" id="{11A311F1-2670-79F7-CB67-00F49A27B223}"/>
+                <a16:creationId xmlns:a16="http://schemas.microsoft.com/office/drawing/2014/main" id="{5A10E8DC-69EB-E556-053E-D3A205425C28}"/>
               </a:ext>
             </a:extLst>
           </p:cNvPr>
@@ -2003,7 +2003,7 @@
           <a:bodyPr/>
           <a:lstStyle/>
           <a:p>
-            <a:fld id="{08463C39-6308-4189-A62F-366904646AF2}" type="slidenum">
+            <a:fld id="{6FB90DB0-9EF4-4475-8BF4-712DFEA81FCA}" type="slidenum">
               <a:rPr lang="zh-CN" altLang="en-US" smtClean="0"/>
               <a:t>‹#›</a:t>
             </a:fld>
@@ -2014,7 +2014,7 @@
     </p:spTree>
     <p:extLst>
       <p:ext uri="{BB962C8B-B14F-4D97-AF65-F5344CB8AC3E}">
-        <p14:creationId xmlns:p14="http://schemas.microsoft.com/office/powerpoint/2010/main" val="3935685169"/>
+        <p14:creationId xmlns:p14="http://schemas.microsoft.com/office/powerpoint/2010/main" val="3352643337"/>
       </p:ext>
     </p:extLst>
   </p:cSld>
@@ -2046,7 +2046,7 @@
           <p:cNvPr id="2" name="日期占位符 1">
             <a:extLst>
               <a:ext uri="{FF2B5EF4-FFF2-40B4-BE49-F238E27FC236}">
-                <a16:creationId xmlns:a16="http://schemas.microsoft.com/office/drawing/2014/main" id="{2839DC7D-F408-2CA0-772B-1B97A328F8AA}"/>
+                <a16:creationId xmlns:a16="http://schemas.microsoft.com/office/drawing/2014/main" id="{AD8F4261-DB5A-CF01-E4BD-530F21858ADC}"/>
               </a:ext>
             </a:extLst>
           </p:cNvPr>
@@ -2062,7 +2062,7 @@
           <a:bodyPr/>
           <a:lstStyle/>
           <a:p>
-            <a:fld id="{79A71F0A-C9CC-4E2A-8A84-6DD40024CC8B}" type="datetimeFigureOut">
+            <a:fld id="{C5810D06-F3F0-4468-9C1D-DAD1F5779843}" type="datetimeFigureOut">
               <a:rPr lang="zh-CN" altLang="en-US" smtClean="0"/>
               <a:t>2024/3/10</a:t>
             </a:fld>
@@ -2075,7 +2075,7 @@
           <p:cNvPr id="3" name="页脚占位符 2">
             <a:extLst>
               <a:ext uri="{FF2B5EF4-FFF2-40B4-BE49-F238E27FC236}">
-                <a16:creationId xmlns:a16="http://schemas.microsoft.com/office/drawing/2014/main" id="{CBB9EBB5-55CF-D7CF-471A-A7D63657894C}"/>
+                <a16:creationId xmlns:a16="http://schemas.microsoft.com/office/drawing/2014/main" id="{14B94231-B7A5-C5E7-A358-8EF279D5530B}"/>
               </a:ext>
             </a:extLst>
           </p:cNvPr>
@@ -2100,7 +2100,7 @@
           <p:cNvPr id="4" name="灯片编号占位符 3">
             <a:extLst>
               <a:ext uri="{FF2B5EF4-FFF2-40B4-BE49-F238E27FC236}">
-                <a16:creationId xmlns:a16="http://schemas.microsoft.com/office/drawing/2014/main" id="{FBB93E70-41C1-0082-9C23-6F1F7CF0CA36}"/>
+                <a16:creationId xmlns:a16="http://schemas.microsoft.com/office/drawing/2014/main" id="{9061BFD3-E478-D039-3014-C615455C0B30}"/>
               </a:ext>
             </a:extLst>
           </p:cNvPr>
@@ -2116,7 +2116,7 @@
           <a:bodyPr/>
           <a:lstStyle/>
           <a:p>
-            <a:fld id="{08463C39-6308-4189-A62F-366904646AF2}" type="slidenum">
+            <a:fld id="{6FB90DB0-9EF4-4475-8BF4-712DFEA81FCA}" type="slidenum">
               <a:rPr lang="zh-CN" altLang="en-US" smtClean="0"/>
               <a:t>‹#›</a:t>
             </a:fld>
@@ -2127,7 +2127,7 @@
     </p:spTree>
     <p:extLst>
       <p:ext uri="{BB962C8B-B14F-4D97-AF65-F5344CB8AC3E}">
-        <p14:creationId xmlns:p14="http://schemas.microsoft.com/office/powerpoint/2010/main" val="2292736631"/>
+        <p14:creationId xmlns:p14="http://schemas.microsoft.com/office/powerpoint/2010/main" val="2957964422"/>
       </p:ext>
     </p:extLst>
   </p:cSld>
@@ -2159,7 +2159,7 @@
           <p:cNvPr id="2" name="标题 1">
             <a:extLst>
               <a:ext uri="{FF2B5EF4-FFF2-40B4-BE49-F238E27FC236}">
-                <a16:creationId xmlns:a16="http://schemas.microsoft.com/office/drawing/2014/main" id="{DD103853-EEAB-310B-46F8-5CB53FB098DA}"/>
+                <a16:creationId xmlns:a16="http://schemas.microsoft.com/office/drawing/2014/main" id="{E6D80C78-E6D2-6631-F02D-42B41040975F}"/>
               </a:ext>
             </a:extLst>
           </p:cNvPr>
@@ -2196,7 +2196,7 @@
           <p:cNvPr id="3" name="内容占位符 2">
             <a:extLst>
               <a:ext uri="{FF2B5EF4-FFF2-40B4-BE49-F238E27FC236}">
-                <a16:creationId xmlns:a16="http://schemas.microsoft.com/office/drawing/2014/main" id="{75D64EDA-E091-EB5D-26B3-5B5E9F538465}"/>
+                <a16:creationId xmlns:a16="http://schemas.microsoft.com/office/drawing/2014/main" id="{F975B51F-98DB-1EAB-78DB-7D8009030BB4}"/>
               </a:ext>
             </a:extLst>
           </p:cNvPr>
@@ -2286,7 +2286,7 @@
           <p:cNvPr id="4" name="文本占位符 3">
             <a:extLst>
               <a:ext uri="{FF2B5EF4-FFF2-40B4-BE49-F238E27FC236}">
-                <a16:creationId xmlns:a16="http://schemas.microsoft.com/office/drawing/2014/main" id="{D5DF68FF-175E-0EF9-654F-DF36B59D6F9E}"/>
+                <a16:creationId xmlns:a16="http://schemas.microsoft.com/office/drawing/2014/main" id="{BD43E0FE-9EF4-0FD1-72E1-79AD2E5C7854}"/>
               </a:ext>
             </a:extLst>
           </p:cNvPr>
@@ -2357,7 +2357,7 @@
           <p:cNvPr id="5" name="日期占位符 4">
             <a:extLst>
               <a:ext uri="{FF2B5EF4-FFF2-40B4-BE49-F238E27FC236}">
-                <a16:creationId xmlns:a16="http://schemas.microsoft.com/office/drawing/2014/main" id="{DCDC0CF6-E3DE-F141-FF56-0BCCEBA02F85}"/>
+                <a16:creationId xmlns:a16="http://schemas.microsoft.com/office/drawing/2014/main" id="{46E8980F-CA7C-0F08-5725-DD713399ACB1}"/>
               </a:ext>
             </a:extLst>
           </p:cNvPr>
@@ -2373,7 +2373,7 @@
           <a:bodyPr/>
           <a:lstStyle/>
           <a:p>
-            <a:fld id="{79A71F0A-C9CC-4E2A-8A84-6DD40024CC8B}" type="datetimeFigureOut">
+            <a:fld id="{C5810D06-F3F0-4468-9C1D-DAD1F5779843}" type="datetimeFigureOut">
               <a:rPr lang="zh-CN" altLang="en-US" smtClean="0"/>
               <a:t>2024/3/10</a:t>
             </a:fld>
@@ -2386,7 +2386,7 @@
           <p:cNvPr id="6" name="页脚占位符 5">
             <a:extLst>
               <a:ext uri="{FF2B5EF4-FFF2-40B4-BE49-F238E27FC236}">
-                <a16:creationId xmlns:a16="http://schemas.microsoft.com/office/drawing/2014/main" id="{68F02880-C389-1DDA-B393-07D4EBB3FFF8}"/>
+                <a16:creationId xmlns:a16="http://schemas.microsoft.com/office/drawing/2014/main" id="{C48F4253-B7E4-6607-E729-FF13A14A063A}"/>
               </a:ext>
             </a:extLst>
           </p:cNvPr>
@@ -2411,7 +2411,7 @@
           <p:cNvPr id="7" name="灯片编号占位符 6">
             <a:extLst>
               <a:ext uri="{FF2B5EF4-FFF2-40B4-BE49-F238E27FC236}">
-                <a16:creationId xmlns:a16="http://schemas.microsoft.com/office/drawing/2014/main" id="{A22BEF9E-5110-29F6-E357-B8D77940DA6C}"/>
+                <a16:creationId xmlns:a16="http://schemas.microsoft.com/office/drawing/2014/main" id="{E62A024A-DAB0-4F77-D483-91D44D5B0F1D}"/>
               </a:ext>
             </a:extLst>
           </p:cNvPr>
@@ -2427,7 +2427,7 @@
           <a:bodyPr/>
           <a:lstStyle/>
           <a:p>
-            <a:fld id="{08463C39-6308-4189-A62F-366904646AF2}" type="slidenum">
+            <a:fld id="{6FB90DB0-9EF4-4475-8BF4-712DFEA81FCA}" type="slidenum">
               <a:rPr lang="zh-CN" altLang="en-US" smtClean="0"/>
               <a:t>‹#›</a:t>
             </a:fld>
@@ -2438,7 +2438,7 @@
     </p:spTree>
     <p:extLst>
       <p:ext uri="{BB962C8B-B14F-4D97-AF65-F5344CB8AC3E}">
-        <p14:creationId xmlns:p14="http://schemas.microsoft.com/office/powerpoint/2010/main" val="3166861856"/>
+        <p14:creationId xmlns:p14="http://schemas.microsoft.com/office/powerpoint/2010/main" val="494157115"/>
       </p:ext>
     </p:extLst>
   </p:cSld>
@@ -2470,7 +2470,7 @@
           <p:cNvPr id="2" name="标题 1">
             <a:extLst>
               <a:ext uri="{FF2B5EF4-FFF2-40B4-BE49-F238E27FC236}">
-                <a16:creationId xmlns:a16="http://schemas.microsoft.com/office/drawing/2014/main" id="{411AC07C-D3B8-DC11-26AC-57B45CCD6EE3}"/>
+                <a16:creationId xmlns:a16="http://schemas.microsoft.com/office/drawing/2014/main" id="{6FD9C3A4-2FF4-F505-8F31-24074F32018B}"/>
               </a:ext>
             </a:extLst>
           </p:cNvPr>
@@ -2507,7 +2507,7 @@
           <p:cNvPr id="3" name="图片占位符 2">
             <a:extLst>
               <a:ext uri="{FF2B5EF4-FFF2-40B4-BE49-F238E27FC236}">
-                <a16:creationId xmlns:a16="http://schemas.microsoft.com/office/drawing/2014/main" id="{7F871BB6-1026-6B87-86B8-8466E5547683}"/>
+                <a16:creationId xmlns:a16="http://schemas.microsoft.com/office/drawing/2014/main" id="{305855C9-52F4-9D29-A3CD-AFC593B5AAFB}"/>
               </a:ext>
             </a:extLst>
           </p:cNvPr>
@@ -2574,7 +2574,7 @@
           <p:cNvPr id="4" name="文本占位符 3">
             <a:extLst>
               <a:ext uri="{FF2B5EF4-FFF2-40B4-BE49-F238E27FC236}">
-                <a16:creationId xmlns:a16="http://schemas.microsoft.com/office/drawing/2014/main" id="{87C313BD-1882-F336-2FB7-EF0B3012226B}"/>
+                <a16:creationId xmlns:a16="http://schemas.microsoft.com/office/drawing/2014/main" id="{B4A694F9-662D-53E5-C3E8-740E03CC4664}"/>
               </a:ext>
             </a:extLst>
           </p:cNvPr>
@@ -2645,7 +2645,7 @@
           <p:cNvPr id="5" name="日期占位符 4">
             <a:extLst>
               <a:ext uri="{FF2B5EF4-FFF2-40B4-BE49-F238E27FC236}">
-                <a16:creationId xmlns:a16="http://schemas.microsoft.com/office/drawing/2014/main" id="{73A5D5A9-A379-A5B8-14F8-51F15CFB4FCA}"/>
+                <a16:creationId xmlns:a16="http://schemas.microsoft.com/office/drawing/2014/main" id="{801590F1-6C6E-E8E3-7BBB-692BECB9273C}"/>
               </a:ext>
             </a:extLst>
           </p:cNvPr>
@@ -2661,7 +2661,7 @@
           <a:bodyPr/>
           <a:lstStyle/>
           <a:p>
-            <a:fld id="{79A71F0A-C9CC-4E2A-8A84-6DD40024CC8B}" type="datetimeFigureOut">
+            <a:fld id="{C5810D06-F3F0-4468-9C1D-DAD1F5779843}" type="datetimeFigureOut">
               <a:rPr lang="zh-CN" altLang="en-US" smtClean="0"/>
               <a:t>2024/3/10</a:t>
             </a:fld>
@@ -2674,7 +2674,7 @@
           <p:cNvPr id="6" name="页脚占位符 5">
             <a:extLst>
               <a:ext uri="{FF2B5EF4-FFF2-40B4-BE49-F238E27FC236}">
-                <a16:creationId xmlns:a16="http://schemas.microsoft.com/office/drawing/2014/main" id="{140D6C5A-9056-EDB0-B55D-128F9C4CF56F}"/>
+                <a16:creationId xmlns:a16="http://schemas.microsoft.com/office/drawing/2014/main" id="{EF1B5BAC-2730-1ED0-B5D6-04883A4A2BCA}"/>
               </a:ext>
             </a:extLst>
           </p:cNvPr>
@@ -2699,7 +2699,7 @@
           <p:cNvPr id="7" name="灯片编号占位符 6">
             <a:extLst>
               <a:ext uri="{FF2B5EF4-FFF2-40B4-BE49-F238E27FC236}">
-                <a16:creationId xmlns:a16="http://schemas.microsoft.com/office/drawing/2014/main" id="{66A96C0C-44AD-1F7F-33E2-08EAF0931B45}"/>
+                <a16:creationId xmlns:a16="http://schemas.microsoft.com/office/drawing/2014/main" id="{73A0377B-70A7-AC17-4001-633EA5300319}"/>
               </a:ext>
             </a:extLst>
           </p:cNvPr>
@@ -2715,7 +2715,7 @@
           <a:bodyPr/>
           <a:lstStyle/>
           <a:p>
-            <a:fld id="{08463C39-6308-4189-A62F-366904646AF2}" type="slidenum">
+            <a:fld id="{6FB90DB0-9EF4-4475-8BF4-712DFEA81FCA}" type="slidenum">
               <a:rPr lang="zh-CN" altLang="en-US" smtClean="0"/>
               <a:t>‹#›</a:t>
             </a:fld>
@@ -2726,7 +2726,7 @@
     </p:spTree>
     <p:extLst>
       <p:ext uri="{BB962C8B-B14F-4D97-AF65-F5344CB8AC3E}">
-        <p14:creationId xmlns:p14="http://schemas.microsoft.com/office/powerpoint/2010/main" val="2542457850"/>
+        <p14:creationId xmlns:p14="http://schemas.microsoft.com/office/powerpoint/2010/main" val="1789377084"/>
       </p:ext>
     </p:extLst>
   </p:cSld>
@@ -2763,7 +2763,7 @@
           <p:cNvPr id="2" name="标题占位符 1">
             <a:extLst>
               <a:ext uri="{FF2B5EF4-FFF2-40B4-BE49-F238E27FC236}">
-                <a16:creationId xmlns:a16="http://schemas.microsoft.com/office/drawing/2014/main" id="{5D7DF3B8-7116-B144-C9BB-6472DBAE029C}"/>
+                <a16:creationId xmlns:a16="http://schemas.microsoft.com/office/drawing/2014/main" id="{05E0D5D4-1F2A-4FE6-7A56-6B326132CB07}"/>
               </a:ext>
             </a:extLst>
           </p:cNvPr>
@@ -2801,7 +2801,7 @@
           <p:cNvPr id="3" name="文本占位符 2">
             <a:extLst>
               <a:ext uri="{FF2B5EF4-FFF2-40B4-BE49-F238E27FC236}">
-                <a16:creationId xmlns:a16="http://schemas.microsoft.com/office/drawing/2014/main" id="{BD166C87-A754-FCCC-DA5E-A30BF7A7D5F3}"/>
+                <a16:creationId xmlns:a16="http://schemas.microsoft.com/office/drawing/2014/main" id="{A454D495-AD01-BDF6-2521-BCA8EC228385}"/>
               </a:ext>
             </a:extLst>
           </p:cNvPr>
@@ -2868,7 +2868,7 @@
           <p:cNvPr id="4" name="日期占位符 3">
             <a:extLst>
               <a:ext uri="{FF2B5EF4-FFF2-40B4-BE49-F238E27FC236}">
-                <a16:creationId xmlns:a16="http://schemas.microsoft.com/office/drawing/2014/main" id="{D83874A1-DE77-397F-B82F-3FB31C1D7CCD}"/>
+                <a16:creationId xmlns:a16="http://schemas.microsoft.com/office/drawing/2014/main" id="{95165B63-A2F5-F038-EE97-EE267BEBFBB0}"/>
               </a:ext>
             </a:extLst>
           </p:cNvPr>
@@ -2902,7 +2902,7 @@
             </a:lvl1pPr>
           </a:lstStyle>
           <a:p>
-            <a:fld id="{79A71F0A-C9CC-4E2A-8A84-6DD40024CC8B}" type="datetimeFigureOut">
+            <a:fld id="{C5810D06-F3F0-4468-9C1D-DAD1F5779843}" type="datetimeFigureOut">
               <a:rPr lang="zh-CN" altLang="en-US" smtClean="0"/>
               <a:t>2024/3/10</a:t>
             </a:fld>
@@ -2915,7 +2915,7 @@
           <p:cNvPr id="5" name="页脚占位符 4">
             <a:extLst>
               <a:ext uri="{FF2B5EF4-FFF2-40B4-BE49-F238E27FC236}">
-                <a16:creationId xmlns:a16="http://schemas.microsoft.com/office/drawing/2014/main" id="{D537FD41-D03C-48BF-8003-0EA295CBB774}"/>
+                <a16:creationId xmlns:a16="http://schemas.microsoft.com/office/drawing/2014/main" id="{25CCD101-CEB4-AFF2-4F44-00ACB704E53A}"/>
               </a:ext>
             </a:extLst>
           </p:cNvPr>
@@ -2958,7 +2958,7 @@
           <p:cNvPr id="6" name="灯片编号占位符 5">
             <a:extLst>
               <a:ext uri="{FF2B5EF4-FFF2-40B4-BE49-F238E27FC236}">
-                <a16:creationId xmlns:a16="http://schemas.microsoft.com/office/drawing/2014/main" id="{428AC4A2-E41E-86AB-2991-3BF767D233C9}"/>
+                <a16:creationId xmlns:a16="http://schemas.microsoft.com/office/drawing/2014/main" id="{3F6791F2-8F85-34D3-65AE-C95053CD3D7A}"/>
               </a:ext>
             </a:extLst>
           </p:cNvPr>
@@ -2992,7 +2992,7 @@
             </a:lvl1pPr>
           </a:lstStyle>
           <a:p>
-            <a:fld id="{08463C39-6308-4189-A62F-366904646AF2}" type="slidenum">
+            <a:fld id="{6FB90DB0-9EF4-4475-8BF4-712DFEA81FCA}" type="slidenum">
               <a:rPr lang="zh-CN" altLang="en-US" smtClean="0"/>
               <a:t>‹#›</a:t>
             </a:fld>
@@ -3003,7 +3003,7 @@
     </p:spTree>
     <p:extLst>
       <p:ext uri="{BB962C8B-B14F-4D97-AF65-F5344CB8AC3E}">
-        <p14:creationId xmlns:p14="http://schemas.microsoft.com/office/powerpoint/2010/main" val="2009681312"/>
+        <p14:creationId xmlns:p14="http://schemas.microsoft.com/office/powerpoint/2010/main" val="815535722"/>
       </p:ext>
     </p:extLst>
   </p:cSld>
